--- a/doc/podlifecycle.pptx
+++ b/doc/podlifecycle.pptx
@@ -25,9 +25,9 @@
     <p:sldId id="272" r:id="rId16"/>
     <p:sldId id="270" r:id="rId17"/>
     <p:sldId id="273" r:id="rId18"/>
-    <p:sldId id="274" r:id="rId19"/>
-    <p:sldId id="275" r:id="rId20"/>
-    <p:sldId id="271" r:id="rId21"/>
+    <p:sldId id="276" r:id="rId19"/>
+    <p:sldId id="274" r:id="rId20"/>
+    <p:sldId id="275" r:id="rId21"/>
   </p:sldIdLst>
   <p:sldSz cx="12192000" cy="6858000"/>
   <p:notesSz cx="6858000" cy="9144000"/>
@@ -216,7 +216,7 @@
           <a:p>
             <a:fld id="{40CE0C37-1B2B-9C42-813F-BD2944D98AAB}" type="datetimeFigureOut">
               <a:rPr lang="en-US" smtClean="0"/>
-              <a:t>10/20/21</a:t>
+              <a:t>11/2/21</a:t>
             </a:fld>
             <a:endParaRPr lang="en-US"/>
           </a:p>
@@ -668,7 +668,7 @@
           <a:p>
             <a:fld id="{88D38747-4367-4BD2-8D51-C97E202738E2}" type="datetime1">
               <a:rPr lang="en-US" smtClean="0"/>
-              <a:t>10/20/21</a:t>
+              <a:t>11/2/21</a:t>
             </a:fld>
             <a:endParaRPr lang="en-US" dirty="0"/>
           </a:p>
@@ -973,7 +973,7 @@
           <a:p>
             <a:fld id="{11F1B079-7EF0-44EE-B798-BCC497C9F3B2}" type="datetime1">
               <a:rPr lang="en-US" smtClean="0"/>
-              <a:t>10/20/21</a:t>
+              <a:t>11/2/21</a:t>
             </a:fld>
             <a:endParaRPr lang="en-US" dirty="0"/>
           </a:p>
@@ -1167,7 +1167,7 @@
           <a:p>
             <a:fld id="{28FF70A8-1D13-4657-95F0-A9EA54967B8D}" type="datetime1">
               <a:rPr lang="en-US" smtClean="0"/>
-              <a:t>10/20/21</a:t>
+              <a:t>11/2/21</a:t>
             </a:fld>
             <a:endParaRPr lang="en-US" dirty="0"/>
           </a:p>
@@ -1430,7 +1430,7 @@
           <a:p>
             <a:fld id="{21EB90AC-71BD-4C7F-8ACA-7B3F18292E63}" type="datetime1">
               <a:rPr lang="en-US" smtClean="0"/>
-              <a:t>10/20/21</a:t>
+              <a:t>11/2/21</a:t>
             </a:fld>
             <a:endParaRPr lang="en-US" dirty="0"/>
           </a:p>
@@ -1866,7 +1866,7 @@
           <a:p>
             <a:fld id="{4E6EFC2C-8905-46F0-B443-CE905B76BA01}" type="datetime1">
               <a:rPr lang="en-US" smtClean="0"/>
-              <a:t>10/20/21</a:t>
+              <a:t>11/2/21</a:t>
             </a:fld>
             <a:endParaRPr lang="en-US" dirty="0"/>
           </a:p>
@@ -2403,7 +2403,7 @@
           <a:p>
             <a:fld id="{D9079DC3-C9B5-499E-9140-0DC28B7074E2}" type="datetime1">
               <a:rPr lang="en-US" smtClean="0"/>
-              <a:t>10/20/21</a:t>
+              <a:t>11/2/21</a:t>
             </a:fld>
             <a:endParaRPr lang="en-US" dirty="0"/>
           </a:p>
@@ -3285,7 +3285,7 @@
           <a:p>
             <a:fld id="{30BB33EA-E472-4D22-9C03-A9C14AA21CED}" type="datetime1">
               <a:rPr lang="en-US" smtClean="0"/>
-              <a:t>10/20/21</a:t>
+              <a:t>11/2/21</a:t>
             </a:fld>
             <a:endParaRPr lang="en-US" dirty="0"/>
           </a:p>
@@ -3455,7 +3455,7 @@
           <a:p>
             <a:fld id="{217E833E-1B6D-415F-AD29-75AE8C43BD0D}" type="datetime1">
               <a:rPr lang="en-US" smtClean="0"/>
-              <a:t>10/20/21</a:t>
+              <a:t>11/2/21</a:t>
             </a:fld>
             <a:endParaRPr lang="en-US" dirty="0"/>
           </a:p>
@@ -3639,7 +3639,7 @@
           <a:p>
             <a:fld id="{8452596F-08A7-4B70-989A-F2B1CF31E66B}" type="datetime1">
               <a:rPr lang="en-US" smtClean="0"/>
-              <a:t>10/20/21</a:t>
+              <a:t>11/2/21</a:t>
             </a:fld>
             <a:endParaRPr lang="en-US" dirty="0"/>
           </a:p>
@@ -3809,7 +3809,7 @@
           <a:p>
             <a:fld id="{73C55A3C-5767-4844-A0A3-83778C2E5409}" type="datetime1">
               <a:rPr lang="en-US" smtClean="0"/>
-              <a:t>10/20/21</a:t>
+              <a:t>11/2/21</a:t>
             </a:fld>
             <a:endParaRPr lang="en-US" dirty="0"/>
           </a:p>
@@ -4053,7 +4053,7 @@
           <a:p>
             <a:fld id="{CAE507A8-A5CF-4D38-AB86-7EDDA87A85D4}" type="datetime1">
               <a:rPr lang="en-US" smtClean="0"/>
-              <a:t>10/20/21</a:t>
+              <a:t>11/2/21</a:t>
             </a:fld>
             <a:endParaRPr lang="en-US" dirty="0"/>
           </a:p>
@@ -4295,7 +4295,7 @@
           <a:p>
             <a:fld id="{BDFCD27C-8599-43EF-BA1D-14DDC1946E06}" type="datetime1">
               <a:rPr lang="en-US" smtClean="0"/>
-              <a:t>10/20/21</a:t>
+              <a:t>11/2/21</a:t>
             </a:fld>
             <a:endParaRPr lang="en-US" dirty="0"/>
           </a:p>
@@ -4778,7 +4778,7 @@
           <a:p>
             <a:fld id="{49343D99-809A-49C0-96E5-4250D0B498EE}" type="datetime1">
               <a:rPr lang="en-US" smtClean="0"/>
-              <a:t>10/20/21</a:t>
+              <a:t>11/2/21</a:t>
             </a:fld>
             <a:endParaRPr lang="en-US" dirty="0"/>
           </a:p>
@@ -4896,7 +4896,7 @@
           <a:p>
             <a:fld id="{A143DE9B-B678-4EFB-BB7D-A4370204A0B0}" type="datetime1">
               <a:rPr lang="en-US" smtClean="0"/>
-              <a:t>10/20/21</a:t>
+              <a:t>11/2/21</a:t>
             </a:fld>
             <a:endParaRPr lang="en-US" dirty="0"/>
           </a:p>
@@ -4991,7 +4991,7 @@
           <a:p>
             <a:fld id="{E68812DA-F765-4142-A6A3-A8ED7235E082}" type="datetime1">
               <a:rPr lang="en-US" smtClean="0"/>
-              <a:t>10/20/21</a:t>
+              <a:t>11/2/21</a:t>
             </a:fld>
             <a:endParaRPr lang="en-US" dirty="0"/>
           </a:p>
@@ -5246,7 +5246,7 @@
           <a:p>
             <a:fld id="{3E0277FD-7DE6-41D4-930D-AC99F5AFE54E}" type="datetime1">
               <a:rPr lang="en-US" smtClean="0"/>
-              <a:t>10/20/21</a:t>
+              <a:t>11/2/21</a:t>
             </a:fld>
             <a:endParaRPr lang="en-US" dirty="0"/>
           </a:p>
@@ -5553,7 +5553,7 @@
           <a:p>
             <a:fld id="{9EA15526-7079-4B7B-987C-1B5FAE11A0FF}" type="datetime1">
               <a:rPr lang="en-US" smtClean="0"/>
-              <a:t>10/20/21</a:t>
+              <a:t>11/2/21</a:t>
             </a:fld>
             <a:endParaRPr lang="en-US" dirty="0"/>
           </a:p>
@@ -5788,7 +5788,7 @@
           <a:p>
             <a:fld id="{073ED0CC-082F-4160-86E5-0D6041F12778}" type="datetime1">
               <a:rPr lang="en-US" smtClean="0"/>
-              <a:t>10/20/21</a:t>
+              <a:t>11/2/21</a:t>
             </a:fld>
             <a:endParaRPr lang="en-US" dirty="0"/>
           </a:p>
@@ -7737,7 +7737,7 @@
           <p:cNvPr id="2" name="Title 1">
             <a:extLst>
               <a:ext uri="{FF2B5EF4-FFF2-40B4-BE49-F238E27FC236}">
-                <a16:creationId xmlns:a16="http://schemas.microsoft.com/office/drawing/2014/main" id="{D2647301-5A66-BE4E-90B8-4F810A9DC91A}"/>
+                <a16:creationId xmlns:a16="http://schemas.microsoft.com/office/drawing/2014/main" id="{10AC4AA0-5DD9-CD48-8F0E-5103135216E5}"/>
               </a:ext>
             </a:extLst>
           </p:cNvPr>
@@ -7748,80 +7748,124 @@
             <p:ph type="title"/>
           </p:nvPr>
         </p:nvSpPr>
-        <p:spPr/>
+        <p:spPr>
+          <a:xfrm>
+            <a:off x="919119" y="281609"/>
+            <a:ext cx="10353762" cy="1257300"/>
+          </a:xfrm>
+        </p:spPr>
         <p:txBody>
           <a:bodyPr/>
           <a:lstStyle/>
           <a:p>
             <a:r>
-              <a:rPr lang="en-US" dirty="0"/>
-              <a:t>Issues and Problems	</a:t>
-            </a:r>
-          </a:p>
-        </p:txBody>
-      </p:sp>
-      <p:sp>
-        <p:nvSpPr>
-          <p:cNvPr id="3" name="Content Placeholder 2">
+              <a:rPr lang="en-US" dirty="0" err="1"/>
+              <a:t>ReplicaSet</a:t>
+            </a:r>
+            <a:endParaRPr lang="en-US" dirty="0"/>
+          </a:p>
+        </p:txBody>
+      </p:sp>
+      <p:pic>
+        <p:nvPicPr>
+          <p:cNvPr id="5" name="Content Placeholder 4" descr="Text&#10;&#10;Description automatically generated">
             <a:extLst>
               <a:ext uri="{FF2B5EF4-FFF2-40B4-BE49-F238E27FC236}">
-                <a16:creationId xmlns:a16="http://schemas.microsoft.com/office/drawing/2014/main" id="{088681D3-92FE-3A41-855E-78DE819B120F}"/>
+                <a16:creationId xmlns:a16="http://schemas.microsoft.com/office/drawing/2014/main" id="{1AEFD4D8-1658-9646-808C-9F359EA758BA}"/>
               </a:ext>
             </a:extLst>
           </p:cNvPr>
-          <p:cNvSpPr>
-            <a:spLocks noGrp="1"/>
-          </p:cNvSpPr>
+          <p:cNvPicPr>
+            <a:picLocks noGrp="1" noChangeAspect="1"/>
+          </p:cNvPicPr>
           <p:nvPr>
             <p:ph idx="1"/>
           </p:nvPr>
-        </p:nvSpPr>
-        <p:spPr/>
-        <p:txBody>
-          <a:bodyPr/>
-          <a:lstStyle/>
-          <a:p>
-            <a:r>
-              <a:rPr lang="en-US" dirty="0"/>
-              <a:t>When using a replication controller – need to make sure </a:t>
-            </a:r>
-            <a:r>
-              <a:rPr lang="en-US" dirty="0" err="1"/>
-              <a:t>nfs</a:t>
-            </a:r>
-            <a:r>
-              <a:rPr lang="en-US" dirty="0"/>
-              <a:t> mounts mode are set such that the container can use its </a:t>
-            </a:r>
-            <a:r>
-              <a:rPr lang="en-US" dirty="0" err="1"/>
-              <a:t>pvc</a:t>
-            </a:r>
-            <a:endParaRPr lang="en-US" dirty="0"/>
-          </a:p>
-          <a:p>
-            <a:r>
-              <a:rPr lang="en-US" dirty="0"/>
-              <a:t>Make sure you balance your recovery time with temporary node </a:t>
-            </a:r>
-            <a:r>
-              <a:rPr lang="en-US" dirty="0" err="1"/>
-              <a:t>unavaialbe</a:t>
-            </a:r>
-            <a:endParaRPr lang="en-US" dirty="0"/>
-          </a:p>
-          <a:p>
-            <a:r>
-              <a:rPr lang="en-US" dirty="0"/>
-              <a:t>Be aware of pod life cycles issues</a:t>
-            </a:r>
-          </a:p>
-        </p:txBody>
-      </p:sp>
+        </p:nvPicPr>
+        <p:blipFill>
+          <a:blip r:embed="rId2"/>
+          <a:stretch>
+            <a:fillRect/>
+          </a:stretch>
+        </p:blipFill>
+        <p:spPr>
+          <a:xfrm>
+            <a:off x="570916" y="1372629"/>
+            <a:ext cx="4794035" cy="3714750"/>
+          </a:xfrm>
+        </p:spPr>
+      </p:pic>
+      <p:pic>
+        <p:nvPicPr>
+          <p:cNvPr id="6" name="Content Placeholder 4" descr="Text&#10;&#10;Description automatically generated">
+            <a:extLst>
+              <a:ext uri="{FF2B5EF4-FFF2-40B4-BE49-F238E27FC236}">
+                <a16:creationId xmlns:a16="http://schemas.microsoft.com/office/drawing/2014/main" id="{ED9D942B-F4DE-0448-B923-08CD49581DAB}"/>
+              </a:ext>
+            </a:extLst>
+          </p:cNvPr>
+          <p:cNvPicPr>
+            <a:picLocks noChangeAspect="1"/>
+          </p:cNvPicPr>
+          <p:nvPr/>
+        </p:nvPicPr>
+        <p:blipFill>
+          <a:blip r:embed="rId3"/>
+          <a:stretch>
+            <a:fillRect/>
+          </a:stretch>
+        </p:blipFill>
+        <p:spPr>
+          <a:xfrm>
+            <a:off x="6202596" y="1373659"/>
+            <a:ext cx="4521200" cy="1117600"/>
+          </a:xfrm>
+          <a:prstGeom prst="rect">
+            <a:avLst/>
+          </a:prstGeom>
+          <a:effectLst>
+            <a:outerShdw blurRad="25400" dir="17880000">
+              <a:srgbClr val="000000">
+                <a:alpha val="46000"/>
+              </a:srgbClr>
+            </a:outerShdw>
+          </a:effectLst>
+        </p:spPr>
+      </p:pic>
+      <p:pic>
+        <p:nvPicPr>
+          <p:cNvPr id="8" name="Picture 7">
+            <a:extLst>
+              <a:ext uri="{FF2B5EF4-FFF2-40B4-BE49-F238E27FC236}">
+                <a16:creationId xmlns:a16="http://schemas.microsoft.com/office/drawing/2014/main" id="{7F0EDE1D-4FE1-AB47-B9E5-40F2E68412EA}"/>
+              </a:ext>
+            </a:extLst>
+          </p:cNvPr>
+          <p:cNvPicPr>
+            <a:picLocks noChangeAspect="1"/>
+          </p:cNvPicPr>
+          <p:nvPr/>
+        </p:nvPicPr>
+        <p:blipFill>
+          <a:blip r:embed="rId4"/>
+          <a:stretch>
+            <a:fillRect/>
+          </a:stretch>
+        </p:blipFill>
+        <p:spPr>
+          <a:xfrm>
+            <a:off x="193093" y="5207618"/>
+            <a:ext cx="12192000" cy="1459606"/>
+          </a:xfrm>
+          <a:prstGeom prst="rect">
+            <a:avLst/>
+          </a:prstGeom>
+        </p:spPr>
+      </p:pic>
     </p:spTree>
     <p:extLst>
       <p:ext uri="{BB962C8B-B14F-4D97-AF65-F5344CB8AC3E}">
-        <p14:creationId xmlns:p14="http://schemas.microsoft.com/office/powerpoint/2010/main" val="2894562225"/>
+        <p14:creationId xmlns:p14="http://schemas.microsoft.com/office/powerpoint/2010/main" val="1042045481"/>
       </p:ext>
     </p:extLst>
   </p:cSld>
@@ -7853,7 +7897,7 @@
           <p:cNvPr id="2" name="Title 1">
             <a:extLst>
               <a:ext uri="{FF2B5EF4-FFF2-40B4-BE49-F238E27FC236}">
-                <a16:creationId xmlns:a16="http://schemas.microsoft.com/office/drawing/2014/main" id="{BF3FA64D-1494-0E4D-9917-C8685FE6B4E0}"/>
+                <a16:creationId xmlns:a16="http://schemas.microsoft.com/office/drawing/2014/main" id="{D2647301-5A66-BE4E-90B8-4F810A9DC91A}"/>
               </a:ext>
             </a:extLst>
           </p:cNvPr>
@@ -7871,7 +7915,7 @@
           <a:p>
             <a:r>
               <a:rPr lang="en-US" dirty="0"/>
-              <a:t>Pod Life Cycle</a:t>
+              <a:t>Issues and Problems	</a:t>
             </a:r>
           </a:p>
         </p:txBody>
@@ -7881,7 +7925,7 @@
           <p:cNvPr id="3" name="Content Placeholder 2">
             <a:extLst>
               <a:ext uri="{FF2B5EF4-FFF2-40B4-BE49-F238E27FC236}">
-                <a16:creationId xmlns:a16="http://schemas.microsoft.com/office/drawing/2014/main" id="{184B7BD2-5A3E-0A4D-8FEA-EF46AC3799AD}"/>
+                <a16:creationId xmlns:a16="http://schemas.microsoft.com/office/drawing/2014/main" id="{088681D3-92FE-3A41-855E-78DE819B120F}"/>
               </a:ext>
             </a:extLst>
           </p:cNvPr>
@@ -7899,55 +7943,37 @@
           <a:p>
             <a:r>
               <a:rPr lang="en-US" dirty="0"/>
-              <a:t>In testing, you will notice that the terminating pod stays in a terminating state.</a:t>
-            </a:r>
-          </a:p>
-          <a:p>
+              <a:t>When using a replication controller – need to make sure </a:t>
+            </a:r>
+            <a:r>
+              <a:rPr lang="en-US" dirty="0" err="1"/>
+              <a:t>nfs</a:t>
+            </a:r>
             <a:r>
               <a:rPr lang="en-US" dirty="0"/>
-              <a:t>It will fully terminate once the node reboots.</a:t>
-            </a:r>
+              <a:t> mounts mode are set such that the container can use its </a:t>
+            </a:r>
+            <a:r>
+              <a:rPr lang="en-US" dirty="0" err="1"/>
+              <a:t>pvc</a:t>
+            </a:r>
+            <a:endParaRPr lang="en-US" dirty="0"/>
           </a:p>
           <a:p>
             <a:r>
               <a:rPr lang="en-US" dirty="0"/>
-              <a:t>This is a known issue, and is partially resolved in some releases of 4.7 and fully resolved in later 4.8 releases, and all </a:t>
-            </a:r>
-            <a:r>
-              <a:rPr lang="en-US"/>
-              <a:t>4.9 releases</a:t>
-            </a:r>
-            <a:endParaRPr lang="en-US" dirty="0"/>
-          </a:p>
-          <a:p>
-            <a:r>
-              <a:rPr lang="en-US" dirty="0">
-                <a:hlinkClick r:id="rId2"/>
-              </a:rPr>
-              <a:t>https://access.redhat.com/solutions/6331221</a:t>
+              <a:t>Make sure you balance your recovery time with temporary node </a:t>
+            </a:r>
+            <a:r>
+              <a:rPr lang="en-US" dirty="0" err="1"/>
+              <a:t>unavaialbe</a:t>
             </a:r>
             <a:endParaRPr lang="en-US" dirty="0"/>
           </a:p>
           <a:p>
             <a:r>
               <a:rPr lang="en-US" dirty="0"/>
-              <a:t>https://</a:t>
-            </a:r>
-            <a:r>
-              <a:rPr lang="en-US" dirty="0" err="1"/>
-              <a:t>bugzilla.redhat.com</a:t>
-            </a:r>
-            <a:r>
-              <a:rPr lang="en-US" dirty="0"/>
-              <a:t>/</a:t>
-            </a:r>
-            <a:r>
-              <a:rPr lang="en-US" dirty="0" err="1"/>
-              <a:t>show_bug.cgi?id</a:t>
-            </a:r>
-            <a:r>
-              <a:rPr lang="en-US" dirty="0"/>
-              <a:t>=1952224</a:t>
+              <a:t>Be aware of pod life cycles issues</a:t>
             </a:r>
           </a:p>
         </p:txBody>
@@ -7955,7 +7981,7 @@
     </p:spTree>
     <p:extLst>
       <p:ext uri="{BB962C8B-B14F-4D97-AF65-F5344CB8AC3E}">
-        <p14:creationId xmlns:p14="http://schemas.microsoft.com/office/powerpoint/2010/main" val="2499644199"/>
+        <p14:creationId xmlns:p14="http://schemas.microsoft.com/office/powerpoint/2010/main" val="2894562225"/>
       </p:ext>
     </p:extLst>
   </p:cSld>
@@ -8104,7 +8130,7 @@
           <p:cNvPr id="2" name="Title 1">
             <a:extLst>
               <a:ext uri="{FF2B5EF4-FFF2-40B4-BE49-F238E27FC236}">
-                <a16:creationId xmlns:a16="http://schemas.microsoft.com/office/drawing/2014/main" id="{1FF493B9-6431-F443-99E9-2F4E9FB07DD3}"/>
+                <a16:creationId xmlns:a16="http://schemas.microsoft.com/office/drawing/2014/main" id="{BF3FA64D-1494-0E4D-9917-C8685FE6B4E0}"/>
               </a:ext>
             </a:extLst>
           </p:cNvPr>
@@ -8120,7 +8146,10 @@
           <a:bodyPr/>
           <a:lstStyle/>
           <a:p>
-            <a:endParaRPr lang="en-US"/>
+            <a:r>
+              <a:rPr lang="en-US" dirty="0"/>
+              <a:t>Pod Life Cycle</a:t>
+            </a:r>
           </a:p>
         </p:txBody>
       </p:sp>
@@ -8129,7 +8158,7 @@
           <p:cNvPr id="3" name="Content Placeholder 2">
             <a:extLst>
               <a:ext uri="{FF2B5EF4-FFF2-40B4-BE49-F238E27FC236}">
-                <a16:creationId xmlns:a16="http://schemas.microsoft.com/office/drawing/2014/main" id="{7D889718-3C49-E849-9E35-5EC82DCEF717}"/>
+                <a16:creationId xmlns:a16="http://schemas.microsoft.com/office/drawing/2014/main" id="{184B7BD2-5A3E-0A4D-8FEA-EF46AC3799AD}"/>
               </a:ext>
             </a:extLst>
           </p:cNvPr>
@@ -8145,14 +8174,60 @@
           <a:bodyPr/>
           <a:lstStyle/>
           <a:p>
-            <a:endParaRPr lang="en-US"/>
+            <a:r>
+              <a:rPr lang="en-US" dirty="0"/>
+              <a:t>In testing, you will notice that the terminating pod stays in a terminating state.</a:t>
+            </a:r>
+          </a:p>
+          <a:p>
+            <a:r>
+              <a:rPr lang="en-US" dirty="0"/>
+              <a:t>It will fully terminate once the node reboots.</a:t>
+            </a:r>
+          </a:p>
+          <a:p>
+            <a:r>
+              <a:rPr lang="en-US" dirty="0"/>
+              <a:t>This is a known issue, and is partially resolved in some releases of 4.7 and fully resolved in later 4.8 releases, and all 4.9 releases</a:t>
+            </a:r>
+          </a:p>
+          <a:p>
+            <a:r>
+              <a:rPr lang="en-US" dirty="0">
+                <a:hlinkClick r:id="rId2"/>
+              </a:rPr>
+              <a:t>https://access.redhat.com/solutions/6331221</a:t>
+            </a:r>
+            <a:endParaRPr lang="en-US" dirty="0"/>
+          </a:p>
+          <a:p>
+            <a:r>
+              <a:rPr lang="en-US" dirty="0"/>
+              <a:t>https://</a:t>
+            </a:r>
+            <a:r>
+              <a:rPr lang="en-US" dirty="0" err="1"/>
+              <a:t>bugzilla.redhat.com</a:t>
+            </a:r>
+            <a:r>
+              <a:rPr lang="en-US" dirty="0"/>
+              <a:t>/</a:t>
+            </a:r>
+            <a:r>
+              <a:rPr lang="en-US" dirty="0" err="1"/>
+              <a:t>show_bug.cgi?id</a:t>
+            </a:r>
+            <a:r>
+              <a:rPr lang="en-US" dirty="0"/>
+              <a:t>=1952224</a:t>
+            </a:r>
           </a:p>
         </p:txBody>
       </p:sp>
     </p:spTree>
     <p:extLst>
       <p:ext uri="{BB962C8B-B14F-4D97-AF65-F5344CB8AC3E}">
-        <p14:creationId xmlns:p14="http://schemas.microsoft.com/office/powerpoint/2010/main" val="4087890193"/>
+        <p14:creationId xmlns:p14="http://schemas.microsoft.com/office/powerpoint/2010/main" val="2499644199"/>
       </p:ext>
     </p:extLst>
   </p:cSld>
